--- a/Docs/GOD.pptx
+++ b/Docs/GOD.pptx
@@ -17378,275 +17378,139 @@
             </a:lvl9pPr>
           </a:lstStyle>
           <a:p>
-            <a:pPr marL="114300" indent="0" fontAlgn="base">
+            <a:pPr fontAlgn="base">
               <a:lnSpc>
                 <a:spcPct val="100000"/>
               </a:lnSpc>
               <a:spcBef>
                 <a:spcPts val="600"/>
               </a:spcBef>
-              <a:buNone/>
             </a:pPr>
             <a:r>
               <a:rPr lang="fr-FR" sz="1200" dirty="0">
                 <a:latin typeface="Source Sans Pro" panose="020B0503030403020204" pitchFamily="34" charset="0"/>
               </a:rPr>
-              <a:t>Un élément peut être présent sur certains équipements ainsi que sur les statistiques du monstre.</a:t>
-            </a:r>
-          </a:p>
-          <a:p>
-            <a:pPr marL="114300" indent="0" fontAlgn="base">
-              <a:lnSpc>
-                <a:spcPct val="100000"/>
-              </a:lnSpc>
-              <a:spcBef>
-                <a:spcPts val="600"/>
-              </a:spcBef>
-              <a:buNone/>
-            </a:pPr>
+              <a:t>Un </a:t>
+            </a:r>
+            <a:r>
+              <a:rPr lang="fr-FR" sz="1200" b="1" dirty="0">
+                <a:latin typeface="Source Sans Pro" panose="020B0503030403020204" pitchFamily="34" charset="0"/>
+              </a:rPr>
+              <a:t>Élément</a:t>
+            </a:r>
             <a:r>
               <a:rPr lang="fr-FR" sz="1200" dirty="0">
                 <a:latin typeface="Source Sans Pro" panose="020B0503030403020204" pitchFamily="34" charset="0"/>
               </a:rPr>
-              <a:t>Effet de l’élément sur le monstre :</a:t>
-            </a:r>
-          </a:p>
-          <a:p>
-            <a:pPr marL="114300" indent="0" fontAlgn="base">
-              <a:lnSpc>
-                <a:spcPct val="100000"/>
-              </a:lnSpc>
-              <a:spcBef>
-                <a:spcPts val="600"/>
-              </a:spcBef>
-              <a:buNone/>
-            </a:pPr>
+              <a:t> peut être présent sur certains </a:t>
+            </a:r>
+            <a:r>
+              <a:rPr lang="fr-FR" sz="1200" b="1" dirty="0">
+                <a:latin typeface="Source Sans Pro" panose="020B0503030403020204" pitchFamily="34" charset="0"/>
+              </a:rPr>
+              <a:t>équipements</a:t>
+            </a:r>
             <a:r>
               <a:rPr lang="fr-FR" sz="1200" dirty="0">
                 <a:latin typeface="Source Sans Pro" panose="020B0503030403020204" pitchFamily="34" charset="0"/>
               </a:rPr>
-              <a:t>Multiplie par 2 la statistique du monstre et affiche l’élément sur cette statistique</a:t>
-            </a:r>
-          </a:p>
-          <a:p>
-            <a:pPr marL="114300" indent="0" fontAlgn="base">
-              <a:lnSpc>
-                <a:spcPct val="100000"/>
-              </a:lnSpc>
-              <a:spcBef>
-                <a:spcPts val="600"/>
-              </a:spcBef>
-              <a:buNone/>
-            </a:pPr>
+              <a:t> ainsi que sur l’attaque / défense du </a:t>
+            </a:r>
+            <a:r>
+              <a:rPr lang="fr-FR" sz="1200" b="1" dirty="0">
+                <a:latin typeface="Source Sans Pro" panose="020B0503030403020204" pitchFamily="34" charset="0"/>
+              </a:rPr>
+              <a:t>monstre</a:t>
+            </a:r>
             <a:r>
               <a:rPr lang="fr-FR" sz="1200" dirty="0">
                 <a:latin typeface="Source Sans Pro" panose="020B0503030403020204" pitchFamily="34" charset="0"/>
               </a:rPr>
-              <a:t>Quand un monstre possède un élément dans une statistique, utiliser une carte de ce même élément dans la statistique opposée (Attaque -&gt; Défense || Défense -&gt; Attaque) double la valeur de la carte.</a:t>
+              <a:t>. </a:t>
             </a:r>
           </a:p>
           <a:p>
-            <a:pPr marL="114300" indent="0" fontAlgn="base">
+            <a:pPr fontAlgn="base">
               <a:lnSpc>
                 <a:spcPct val="100000"/>
               </a:lnSpc>
               <a:spcBef>
                 <a:spcPts val="600"/>
               </a:spcBef>
-              <a:buNone/>
             </a:pPr>
             <a:r>
               <a:rPr lang="fr-FR" sz="1200" dirty="0">
                 <a:latin typeface="Source Sans Pro" panose="020B0503030403020204" pitchFamily="34" charset="0"/>
               </a:rPr>
-              <a:t>Exemple : </a:t>
-            </a:r>
-          </a:p>
-          <a:p>
-            <a:pPr marL="114300" indent="0" fontAlgn="base">
-              <a:lnSpc>
-                <a:spcPct val="100000"/>
-              </a:lnSpc>
-              <a:spcBef>
-                <a:spcPts val="600"/>
-              </a:spcBef>
-              <a:buNone/>
-            </a:pPr>
+              <a:t>Quand un monstre possède un élément, </a:t>
+            </a:r>
+            <a:r>
+              <a:rPr lang="fr-FR" sz="1200" b="1" dirty="0">
+                <a:latin typeface="Source Sans Pro" panose="020B0503030403020204" pitchFamily="34" charset="0"/>
+              </a:rPr>
+              <a:t>utiliser le même élément double la valeur </a:t>
+            </a:r>
             <a:r>
               <a:rPr lang="fr-FR" sz="1200" dirty="0">
                 <a:latin typeface="Source Sans Pro" panose="020B0503030403020204" pitchFamily="34" charset="0"/>
               </a:rPr>
-              <a:t>Une Monstre Attaque de 4 FEU peut être contrée par :</a:t>
+              <a:t>de la carte:</a:t>
             </a:r>
           </a:p>
           <a:p>
-            <a:pPr marL="114300" indent="0" fontAlgn="base">
+            <a:pPr lvl="1" fontAlgn="base">
               <a:lnSpc>
                 <a:spcPct val="100000"/>
               </a:lnSpc>
               <a:spcBef>
                 <a:spcPts val="600"/>
               </a:spcBef>
-              <a:buNone/>
             </a:pPr>
             <a:r>
-              <a:rPr lang="fr-FR" sz="1200" dirty="0">
+              <a:rPr lang="fr-FR" sz="1100" dirty="0">
                 <a:latin typeface="Source Sans Pro" panose="020B0503030403020204" pitchFamily="34" charset="0"/>
               </a:rPr>
-              <a:t>une Défense de 2 FEU ou plus</a:t>
+              <a:t>Si un monstre possède une attaque de FEU, une défense </a:t>
+            </a:r>
+            <a:r>
+              <a:rPr lang="fr-FR" sz="1100" b="1" dirty="0">
+                <a:latin typeface="Source Sans Pro" panose="020B0503030403020204" pitchFamily="34" charset="0"/>
+              </a:rPr>
+              <a:t>2 FEU vaudra 4</a:t>
             </a:r>
           </a:p>
           <a:p>
-            <a:pPr marL="114300" indent="0" fontAlgn="base">
+            <a:pPr lvl="1" fontAlgn="base">
               <a:lnSpc>
                 <a:spcPct val="100000"/>
               </a:lnSpc>
               <a:spcBef>
                 <a:spcPts val="600"/>
               </a:spcBef>
-              <a:buNone/>
             </a:pPr>
             <a:r>
-              <a:rPr lang="fr-FR" sz="1200" dirty="0">
+              <a:rPr lang="fr-FR" sz="1100" dirty="0">
                 <a:latin typeface="Source Sans Pro" panose="020B0503030403020204" pitchFamily="34" charset="0"/>
               </a:rPr>
-              <a:t>une Défense de 4 ou plus</a:t>
-            </a:r>
-          </a:p>
-          <a:p>
-            <a:pPr marL="114300" indent="0" fontAlgn="base">
-              <a:lnSpc>
-                <a:spcPct val="100000"/>
-              </a:lnSpc>
-              <a:spcBef>
-                <a:spcPts val="600"/>
-              </a:spcBef>
-              <a:buNone/>
-            </a:pPr>
-            <a:r>
-              <a:rPr lang="fr-FR" sz="1200" dirty="0">
+              <a:t>Si un monstre possède une défense de GLACE (comprendre vulnérabilité), une attaque de</a:t>
+            </a:r>
+            <a:br>
+              <a:rPr lang="fr-FR" sz="1100" dirty="0">
                 <a:latin typeface="Source Sans Pro" panose="020B0503030403020204" pitchFamily="34" charset="0"/>
               </a:rPr>
-              <a:t>une Défense de 1 FEU + une défense de 2 ou plus</a:t>
-            </a:r>
-          </a:p>
-          <a:p>
-            <a:pPr marL="114300" indent="0" fontAlgn="base">
-              <a:lnSpc>
-                <a:spcPct val="100000"/>
-              </a:lnSpc>
-              <a:spcBef>
-                <a:spcPts val="600"/>
-              </a:spcBef>
-              <a:buNone/>
-            </a:pPr>
-            <a:r>
-              <a:rPr lang="fr-FR" sz="1200" dirty="0">
+            </a:br>
+            <a:r>
+              <a:rPr lang="fr-FR" sz="1100" b="1" dirty="0">
                 <a:latin typeface="Source Sans Pro" panose="020B0503030403020204" pitchFamily="34" charset="0"/>
               </a:rPr>
-              <a:t>Une Monstre Défense de 8 GLACE peut être battue par :</a:t>
-            </a:r>
-          </a:p>
-          <a:p>
-            <a:pPr marL="114300" indent="0" fontAlgn="base">
-              <a:lnSpc>
-                <a:spcPct val="100000"/>
-              </a:lnSpc>
-              <a:spcBef>
-                <a:spcPts val="600"/>
-              </a:spcBef>
-              <a:buNone/>
-            </a:pPr>
-            <a:r>
-              <a:rPr lang="fr-FR" sz="1200" dirty="0">
-                <a:latin typeface="Source Sans Pro" panose="020B0503030403020204" pitchFamily="34" charset="0"/>
-              </a:rPr>
-              <a:t>une Attaque de 4 GLACE ou plus</a:t>
-            </a:r>
-          </a:p>
-          <a:p>
-            <a:pPr marL="114300" indent="0" fontAlgn="base">
-              <a:lnSpc>
-                <a:spcPct val="100000"/>
-              </a:lnSpc>
-              <a:spcBef>
-                <a:spcPts val="600"/>
-              </a:spcBef>
-              <a:buNone/>
-            </a:pPr>
-            <a:r>
-              <a:rPr lang="fr-FR" sz="1200" dirty="0">
-                <a:latin typeface="Source Sans Pro" panose="020B0503030403020204" pitchFamily="34" charset="0"/>
-              </a:rPr>
-              <a:t>une Attaque de 8</a:t>
-            </a:r>
-          </a:p>
-          <a:p>
-            <a:pPr marL="114300" indent="0" fontAlgn="base">
-              <a:lnSpc>
-                <a:spcPct val="100000"/>
-              </a:lnSpc>
-              <a:spcBef>
-                <a:spcPts val="600"/>
-              </a:spcBef>
-              <a:buNone/>
-            </a:pPr>
-            <a:r>
-              <a:rPr lang="fr-FR" sz="1200" dirty="0">
-                <a:latin typeface="Source Sans Pro" panose="020B0503030403020204" pitchFamily="34" charset="0"/>
-              </a:rPr>
-              <a:t>n’importe quelle combinaison de cartes Attaque et Attaque GLACE tel que :</a:t>
-            </a:r>
-          </a:p>
-          <a:p>
-            <a:pPr marL="114300" indent="0" fontAlgn="base">
-              <a:lnSpc>
-                <a:spcPct val="100000"/>
-              </a:lnSpc>
-              <a:spcBef>
-                <a:spcPts val="600"/>
-              </a:spcBef>
-              <a:buNone/>
-            </a:pPr>
-            <a:r>
-              <a:rPr lang="fr-FR" sz="1200" dirty="0">
-                <a:latin typeface="Source Sans Pro" panose="020B0503030403020204" pitchFamily="34" charset="0"/>
-              </a:rPr>
-              <a:t>Total Attaque GLACE X 2 + Total Attaque &gt;= Monstre Défense GLACE</a:t>
-            </a:r>
+              <a:t>4 GLACE vaudra 8</a:t>
+            </a:r>
+            <a:endParaRPr lang="fr-FR" sz="900" b="1" dirty="0">
+              <a:latin typeface="Source Sans Pro" panose="020B0503030403020204" pitchFamily="34" charset="0"/>
+            </a:endParaRPr>
           </a:p>
         </p:txBody>
       </p:sp>
-      <p:pic>
-        <p:nvPicPr>
-          <p:cNvPr id="4" name="Image 3">
-            <a:extLst>
-              <a:ext uri="{FF2B5EF4-FFF2-40B4-BE49-F238E27FC236}">
-                <a16:creationId xmlns:a16="http://schemas.microsoft.com/office/drawing/2014/main" id="{3F5CB639-74B3-48A9-ADAB-B6D9CE846F5D}"/>
-              </a:ext>
-            </a:extLst>
-          </p:cNvPr>
-          <p:cNvPicPr>
-            <a:picLocks noChangeAspect="1"/>
-          </p:cNvPicPr>
-          <p:nvPr/>
-        </p:nvPicPr>
-        <p:blipFill>
-          <a:blip r:embed="rId3"/>
-          <a:stretch>
-            <a:fillRect/>
-          </a:stretch>
-        </p:blipFill>
-        <p:spPr>
-          <a:xfrm>
-            <a:off x="8234467" y="121921"/>
-            <a:ext cx="528350" cy="760429"/>
-          </a:xfrm>
-          <a:prstGeom prst="rect">
-            <a:avLst/>
-          </a:prstGeom>
-        </p:spPr>
-      </p:pic>
       <p:sp>
         <p:nvSpPr>
           <p:cNvPr id="9" name="Google Shape;138;p31">
@@ -17935,10 +17799,10 @@
               </a:spcBef>
             </a:pPr>
             <a:r>
-              <a:rPr lang="fr-FR" sz="1200" b="1" dirty="0">
+              <a:rPr lang="fr-FR" sz="1100" dirty="0">
                 <a:latin typeface="Source Sans Pro" panose="020B0503030403020204" pitchFamily="34" charset="0"/>
               </a:rPr>
-              <a:t>Niveau de l’Aventurier:</a:t>
+              <a:t>Exemples: </a:t>
             </a:r>
           </a:p>
           <a:p>
@@ -17949,14 +17813,66 @@
               <a:spcBef>
                 <a:spcPts val="600"/>
               </a:spcBef>
-              <a:buFont typeface="Courier New" panose="02070309020205020404" pitchFamily="49" charset="0"/>
-              <a:buChar char="o"/>
             </a:pPr>
             <a:r>
               <a:rPr lang="fr-FR" sz="1100" dirty="0">
                 <a:latin typeface="Source Sans Pro" panose="020B0503030403020204" pitchFamily="34" charset="0"/>
               </a:rPr>
-              <a:t>Détermine le nombre de points d’honneurs gagnés lors d’un combat réussi.</a:t>
+              <a:t>Une Attaque de Monstre de 4 FEU peut être contrée par:</a:t>
+            </a:r>
+          </a:p>
+          <a:p>
+            <a:pPr lvl="2" fontAlgn="base">
+              <a:lnSpc>
+                <a:spcPct val="100000"/>
+              </a:lnSpc>
+              <a:spcBef>
+                <a:spcPts val="600"/>
+              </a:spcBef>
+              <a:buFont typeface="Arial" panose="020B0604020202020204" pitchFamily="34" charset="0"/>
+              <a:buChar char="•"/>
+            </a:pPr>
+            <a:r>
+              <a:rPr lang="fr-FR" sz="1100" dirty="0">
+                <a:latin typeface="Source Sans Pro" panose="020B0503030403020204" pitchFamily="34" charset="0"/>
+              </a:rPr>
+              <a:t>une Défense de 2 FEU ou plus</a:t>
+            </a:r>
+          </a:p>
+          <a:p>
+            <a:pPr lvl="2" fontAlgn="base">
+              <a:lnSpc>
+                <a:spcPct val="100000"/>
+              </a:lnSpc>
+              <a:spcBef>
+                <a:spcPts val="600"/>
+              </a:spcBef>
+              <a:buFont typeface="Arial" panose="020B0604020202020204" pitchFamily="34" charset="0"/>
+              <a:buChar char="•"/>
+            </a:pPr>
+            <a:r>
+              <a:rPr lang="fr-FR" sz="1100" dirty="0">
+                <a:latin typeface="Source Sans Pro" panose="020B0503030403020204" pitchFamily="34" charset="0"/>
+              </a:rPr>
+              <a:t>une Défense de 4 ou plus</a:t>
+            </a:r>
+          </a:p>
+          <a:p>
+            <a:pPr lvl="2" fontAlgn="base">
+              <a:lnSpc>
+                <a:spcPct val="100000"/>
+              </a:lnSpc>
+              <a:spcBef>
+                <a:spcPts val="600"/>
+              </a:spcBef>
+              <a:buFont typeface="Arial" panose="020B0604020202020204" pitchFamily="34" charset="0"/>
+              <a:buChar char="•"/>
+            </a:pPr>
+            <a:r>
+              <a:rPr lang="fr-FR" sz="1100" dirty="0">
+                <a:latin typeface="Source Sans Pro" panose="020B0503030403020204" pitchFamily="34" charset="0"/>
+              </a:rPr>
+              <a:t>une Défense de 1 FEU + une défense de 2 ou plus</a:t>
             </a:r>
           </a:p>
           <a:p>
@@ -17967,212 +17883,130 @@
               <a:spcBef>
                 <a:spcPts val="600"/>
               </a:spcBef>
-              <a:buFont typeface="Courier New" panose="02070309020205020404" pitchFamily="49" charset="0"/>
-              <a:buChar char="o"/>
             </a:pPr>
             <a:r>
               <a:rPr lang="fr-FR" sz="1100" dirty="0">
                 <a:latin typeface="Source Sans Pro" panose="020B0503030403020204" pitchFamily="34" charset="0"/>
               </a:rPr>
-              <a:t>Commence à 0, augmente de 1 à chaque victoire, jusqu’à un maximum de 3.</a:t>
+              <a:t>Un Monstre avec une Défense de 8 GLACE peut être battue par:</a:t>
             </a:r>
           </a:p>
           <a:p>
-            <a:pPr lvl="1" fontAlgn="base">
+            <a:pPr lvl="2" fontAlgn="base">
               <a:lnSpc>
                 <a:spcPct val="100000"/>
               </a:lnSpc>
               <a:spcBef>
                 <a:spcPts val="600"/>
               </a:spcBef>
-              <a:buFont typeface="Courier New" panose="02070309020205020404" pitchFamily="49" charset="0"/>
-              <a:buChar char="o"/>
+              <a:buFont typeface="Arial" panose="020B0604020202020204" pitchFamily="34" charset="0"/>
+              <a:buChar char="•"/>
             </a:pPr>
             <a:r>
               <a:rPr lang="fr-FR" sz="1100" dirty="0">
                 <a:latin typeface="Source Sans Pro" panose="020B0503030403020204" pitchFamily="34" charset="0"/>
               </a:rPr>
-              <a:t>Le nombre de points d’honneur gagnés est augmenté de la manière suivante:</a:t>
-            </a:r>
+              <a:t>une Attaque de 4 GLACE ou plus</a:t>
+            </a:r>
+          </a:p>
+          <a:p>
+            <a:pPr lvl="2" fontAlgn="base">
+              <a:lnSpc>
+                <a:spcPct val="100000"/>
+              </a:lnSpc>
+              <a:spcBef>
+                <a:spcPts val="600"/>
+              </a:spcBef>
+              <a:buFont typeface="Arial" panose="020B0604020202020204" pitchFamily="34" charset="0"/>
+              <a:buChar char="•"/>
+            </a:pPr>
+            <a:r>
+              <a:rPr lang="fr-FR" sz="1100" dirty="0">
+                <a:latin typeface="Source Sans Pro" panose="020B0503030403020204" pitchFamily="34" charset="0"/>
+              </a:rPr>
+              <a:t>une Attaque de 8</a:t>
+            </a:r>
+          </a:p>
+          <a:p>
+            <a:pPr lvl="2" fontAlgn="base">
+              <a:lnSpc>
+                <a:spcPct val="100000"/>
+              </a:lnSpc>
+              <a:spcBef>
+                <a:spcPts val="600"/>
+              </a:spcBef>
+              <a:buFont typeface="Arial" panose="020B0604020202020204" pitchFamily="34" charset="0"/>
+              <a:buChar char="•"/>
+            </a:pPr>
+            <a:r>
+              <a:rPr lang="fr-FR" sz="1100" dirty="0">
+                <a:latin typeface="Source Sans Pro" panose="020B0503030403020204" pitchFamily="34" charset="0"/>
+              </a:rPr>
+              <a:t>n’importe quelle combinaison de cartes Attaque et Attaque GLACE telle que :</a:t>
+            </a:r>
+          </a:p>
+          <a:p>
+            <a:pPr lvl="3" fontAlgn="base">
+              <a:lnSpc>
+                <a:spcPct val="100000"/>
+              </a:lnSpc>
+              <a:spcBef>
+                <a:spcPts val="600"/>
+              </a:spcBef>
+            </a:pPr>
+            <a:r>
+              <a:rPr lang="fr-FR" sz="1100" dirty="0">
+                <a:latin typeface="Source Sans Pro" panose="020B0503030403020204" pitchFamily="34" charset="0"/>
+              </a:rPr>
+              <a:t>Total Attaque GLACE X 2 + Total Attaque &gt;= Monstre Défense GLACE</a:t>
+            </a:r>
+          </a:p>
+          <a:p>
+            <a:pPr marL="114300" indent="0" fontAlgn="base">
+              <a:lnSpc>
+                <a:spcPct val="100000"/>
+              </a:lnSpc>
+              <a:spcBef>
+                <a:spcPts val="600"/>
+              </a:spcBef>
+              <a:buNone/>
+            </a:pPr>
+            <a:endParaRPr lang="fr-FR" sz="1100" dirty="0">
+              <a:latin typeface="Source Sans Pro" panose="020B0503030403020204" pitchFamily="34" charset="0"/>
+            </a:endParaRPr>
           </a:p>
         </p:txBody>
       </p:sp>
-      <p:graphicFrame>
-        <p:nvGraphicFramePr>
-          <p:cNvPr id="5" name="Tableau 6">
+      <p:pic>
+        <p:nvPicPr>
+          <p:cNvPr id="8" name="Image 7">
             <a:extLst>
               <a:ext uri="{FF2B5EF4-FFF2-40B4-BE49-F238E27FC236}">
-                <a16:creationId xmlns:a16="http://schemas.microsoft.com/office/drawing/2014/main" id="{906D2ABA-B4BF-47A1-9C42-10C9FD667147}"/>
+                <a16:creationId xmlns:a16="http://schemas.microsoft.com/office/drawing/2014/main" id="{F0C47263-9A8E-472A-A4DA-BC1F6A6D0F9C}"/>
               </a:ext>
             </a:extLst>
           </p:cNvPr>
-          <p:cNvGraphicFramePr>
-            <a:graphicFrameLocks noGrp="1"/>
-          </p:cNvGraphicFramePr>
+          <p:cNvPicPr>
+            <a:picLocks noChangeAspect="1"/>
+          </p:cNvPicPr>
           <p:nvPr/>
-        </p:nvGraphicFramePr>
-        <p:xfrm>
-          <a:off x="6400764" y="3011933"/>
-          <a:ext cx="854236" cy="1170800"/>
-        </p:xfrm>
-        <a:graphic>
-          <a:graphicData uri="http://schemas.openxmlformats.org/drawingml/2006/table">
-            <a:tbl>
-              <a:tblPr bandRow="1">
-                <a:tableStyleId>{7DF18680-E054-41AD-8BC1-D1AEF772440D}</a:tableStyleId>
-              </a:tblPr>
-              <a:tblGrid>
-                <a:gridCol w="348834">
-                  <a:extLst>
-                    <a:ext uri="{9D8B030D-6E8A-4147-A177-3AD203B41FA5}">
-                      <a16:colId xmlns:a16="http://schemas.microsoft.com/office/drawing/2014/main" val="1342926624"/>
-                    </a:ext>
-                  </a:extLst>
-                </a:gridCol>
-                <a:gridCol w="505402">
-                  <a:extLst>
-                    <a:ext uri="{9D8B030D-6E8A-4147-A177-3AD203B41FA5}">
-                      <a16:colId xmlns:a16="http://schemas.microsoft.com/office/drawing/2014/main" val="3586556900"/>
-                    </a:ext>
-                  </a:extLst>
-                </a:gridCol>
-              </a:tblGrid>
-              <a:tr h="292700">
-                <a:tc>
-                  <a:txBody>
-                    <a:bodyPr/>
-                    <a:lstStyle/>
-                    <a:p>
-                      <a:r>
-                        <a:rPr lang="fr-FR" sz="1000" dirty="0"/>
-                        <a:t>0</a:t>
-                      </a:r>
-                    </a:p>
-                  </a:txBody>
-                  <a:tcPr marL="72172" marR="72172" marT="36086" marB="36086"/>
-                </a:tc>
-                <a:tc>
-                  <a:txBody>
-                    <a:bodyPr/>
-                    <a:lstStyle/>
-                    <a:p>
-                      <a:r>
-                        <a:rPr lang="fr-FR" sz="1000" dirty="0"/>
-                        <a:t>X 1</a:t>
-                      </a:r>
-                    </a:p>
-                  </a:txBody>
-                  <a:tcPr marL="72172" marR="72172" marT="36086" marB="36086"/>
-                </a:tc>
-                <a:extLst>
-                  <a:ext uri="{0D108BD9-81ED-4DB2-BD59-A6C34878D82A}">
-                    <a16:rowId xmlns:a16="http://schemas.microsoft.com/office/drawing/2014/main" val="588588274"/>
-                  </a:ext>
-                </a:extLst>
-              </a:tr>
-              <a:tr h="292700">
-                <a:tc>
-                  <a:txBody>
-                    <a:bodyPr/>
-                    <a:lstStyle/>
-                    <a:p>
-                      <a:r>
-                        <a:rPr lang="fr-FR" sz="1000" dirty="0"/>
-                        <a:t>1</a:t>
-                      </a:r>
-                    </a:p>
-                  </a:txBody>
-                  <a:tcPr marL="72172" marR="72172" marT="36086" marB="36086"/>
-                </a:tc>
-                <a:tc>
-                  <a:txBody>
-                    <a:bodyPr/>
-                    <a:lstStyle/>
-                    <a:p>
-                      <a:r>
-                        <a:rPr lang="fr-FR" sz="1000" dirty="0"/>
-                        <a:t>X 1.5</a:t>
-                      </a:r>
-                    </a:p>
-                  </a:txBody>
-                  <a:tcPr marL="72172" marR="72172" marT="36086" marB="36086"/>
-                </a:tc>
-                <a:extLst>
-                  <a:ext uri="{0D108BD9-81ED-4DB2-BD59-A6C34878D82A}">
-                    <a16:rowId xmlns:a16="http://schemas.microsoft.com/office/drawing/2014/main" val="1671696993"/>
-                  </a:ext>
-                </a:extLst>
-              </a:tr>
-              <a:tr h="292700">
-                <a:tc>
-                  <a:txBody>
-                    <a:bodyPr/>
-                    <a:lstStyle/>
-                    <a:p>
-                      <a:r>
-                        <a:rPr lang="fr-FR" sz="1000" dirty="0"/>
-                        <a:t>2</a:t>
-                      </a:r>
-                    </a:p>
-                  </a:txBody>
-                  <a:tcPr marL="72172" marR="72172" marT="36086" marB="36086"/>
-                </a:tc>
-                <a:tc>
-                  <a:txBody>
-                    <a:bodyPr/>
-                    <a:lstStyle/>
-                    <a:p>
-                      <a:r>
-                        <a:rPr lang="fr-FR" sz="1000" dirty="0"/>
-                        <a:t>X 2</a:t>
-                      </a:r>
-                    </a:p>
-                  </a:txBody>
-                  <a:tcPr marL="72172" marR="72172" marT="36086" marB="36086"/>
-                </a:tc>
-                <a:extLst>
-                  <a:ext uri="{0D108BD9-81ED-4DB2-BD59-A6C34878D82A}">
-                    <a16:rowId xmlns:a16="http://schemas.microsoft.com/office/drawing/2014/main" val="2560474090"/>
-                  </a:ext>
-                </a:extLst>
-              </a:tr>
-              <a:tr h="292700">
-                <a:tc>
-                  <a:txBody>
-                    <a:bodyPr/>
-                    <a:lstStyle/>
-                    <a:p>
-                      <a:r>
-                        <a:rPr lang="fr-FR" sz="1000" dirty="0"/>
-                        <a:t>3+</a:t>
-                      </a:r>
-                    </a:p>
-                  </a:txBody>
-                  <a:tcPr marL="72172" marR="72172" marT="36086" marB="36086"/>
-                </a:tc>
-                <a:tc>
-                  <a:txBody>
-                    <a:bodyPr/>
-                    <a:lstStyle/>
-                    <a:p>
-                      <a:r>
-                        <a:rPr lang="fr-FR" sz="1000" dirty="0"/>
-                        <a:t>X 3</a:t>
-                      </a:r>
-                    </a:p>
-                  </a:txBody>
-                  <a:tcPr marL="72172" marR="72172" marT="36086" marB="36086"/>
-                </a:tc>
-                <a:extLst>
-                  <a:ext uri="{0D108BD9-81ED-4DB2-BD59-A6C34878D82A}">
-                    <a16:rowId xmlns:a16="http://schemas.microsoft.com/office/drawing/2014/main" val="3030150802"/>
-                  </a:ext>
-                </a:extLst>
-              </a:tr>
-            </a:tbl>
-          </a:graphicData>
-        </a:graphic>
-      </p:graphicFrame>
+        </p:nvPicPr>
+        <p:blipFill>
+          <a:blip r:embed="rId3"/>
+          <a:stretch>
+            <a:fillRect/>
+          </a:stretch>
+        </p:blipFill>
+        <p:spPr>
+          <a:xfrm>
+            <a:off x="8041543" y="58550"/>
+            <a:ext cx="914198" cy="1103224"/>
+          </a:xfrm>
+          <a:prstGeom prst="rect">
+            <a:avLst/>
+          </a:prstGeom>
+        </p:spPr>
+      </p:pic>
     </p:spTree>
     <p:extLst>
       <p:ext uri="{BB962C8B-B14F-4D97-AF65-F5344CB8AC3E}">

--- a/Docs/GOD.pptx
+++ b/Docs/GOD.pptx
@@ -1840,7 +1840,7 @@
         </p:nvSpPr>
         <p:spPr>
           <a:xfrm>
-            <a:off x="381319" y="685800"/>
+            <a:off x="381000" y="685800"/>
             <a:ext cx="6096000" cy="3429000"/>
           </a:xfrm>
           <a:custGeom>
@@ -2053,7 +2053,7 @@
         </p:nvSpPr>
         <p:spPr>
           <a:xfrm>
-            <a:off x="381319" y="685800"/>
+            <a:off x="381000" y="685800"/>
             <a:ext cx="6096000" cy="3429000"/>
           </a:xfrm>
           <a:custGeom>
@@ -2157,7 +2157,7 @@
         </p:nvSpPr>
         <p:spPr>
           <a:xfrm>
-            <a:off x="381319" y="685800"/>
+            <a:off x="381000" y="685800"/>
             <a:ext cx="6096000" cy="3429000"/>
           </a:xfrm>
           <a:custGeom>
@@ -2261,7 +2261,7 @@
         </p:nvSpPr>
         <p:spPr>
           <a:xfrm>
-            <a:off x="381319" y="685800"/>
+            <a:off x="381000" y="685800"/>
             <a:ext cx="6096000" cy="3429000"/>
           </a:xfrm>
           <a:custGeom>
@@ -15122,7 +15122,7 @@
         </p:nvSpPr>
         <p:spPr>
           <a:xfrm>
-            <a:off x="311700" y="1328372"/>
+            <a:off x="4792828" y="1328372"/>
             <a:ext cx="4008840" cy="3519522"/>
           </a:xfrm>
           <a:prstGeom prst="rect">
@@ -15429,7 +15429,7 @@
               <a:rPr lang="fr-FR" sz="1100" dirty="0">
                 <a:latin typeface="Source Sans Pro" panose="020B0503030403020204" pitchFamily="34" charset="0"/>
               </a:rPr>
-              <a:t>Attaque</a:t>
+              <a:t>Attaque. Cette valeur peut être fixe ou aléatoire entre deux valeurs.</a:t>
             </a:r>
           </a:p>
           <a:p>
@@ -15445,7 +15445,7 @@
               <a:rPr lang="fr-FR" sz="1100" dirty="0">
                 <a:latin typeface="Source Sans Pro" panose="020B0503030403020204" pitchFamily="34" charset="0"/>
               </a:rPr>
-              <a:t>Défense</a:t>
+              <a:t>Défense.</a:t>
             </a:r>
           </a:p>
           <a:p>
@@ -15511,7 +15511,7 @@
               <a:rPr lang="fr-FR" sz="1100" dirty="0">
                 <a:latin typeface="Source Sans Pro" panose="020B0503030403020204" pitchFamily="34" charset="0"/>
               </a:rPr>
-              <a:t>⅓ chances d’avoir un élément sur l’attaque ou sur la défense</a:t>
+              <a:t>⅓ chances d’avoir un élément sur l’attaque ou sur la défense du monstre. Déterminé à l’apparition du monstre.</a:t>
             </a:r>
           </a:p>
           <a:p>
@@ -15529,322 +15529,7 @@
               <a:rPr lang="fr-FR" sz="1100" dirty="0">
                 <a:latin typeface="Source Sans Pro" panose="020B0503030403020204" pitchFamily="34" charset="0"/>
               </a:rPr>
-              <a:t>Le jet aléatoire est indépendant entre l’attaque et la défense. Un monstre peut ainsi avoir un élément d’attaque ainsi qu’un élément de défense.</a:t>
-            </a:r>
-          </a:p>
-          <a:p>
-            <a:pPr marL="1152000" lvl="2" fontAlgn="base">
-              <a:lnSpc>
-                <a:spcPct val="100000"/>
-              </a:lnSpc>
-              <a:spcBef>
-                <a:spcPts val="600"/>
-              </a:spcBef>
-              <a:buFont typeface="Arial" panose="020B0604020202020204" pitchFamily="34" charset="0"/>
-              <a:buChar char="•"/>
-            </a:pPr>
-            <a:r>
-              <a:rPr lang="fr-FR" sz="1100" dirty="0">
-                <a:latin typeface="Source Sans Pro" panose="020B0503030403020204" pitchFamily="34" charset="0"/>
-              </a:rPr>
-              <a:t>L’élément est aléatoire entre Feu, Glace et Électricité</a:t>
-            </a:r>
-          </a:p>
-        </p:txBody>
-      </p:sp>
-      <p:sp>
-        <p:nvSpPr>
-          <p:cNvPr id="6" name="Google Shape;138;p31">
-            <a:extLst>
-              <a:ext uri="{FF2B5EF4-FFF2-40B4-BE49-F238E27FC236}">
-                <a16:creationId xmlns:a16="http://schemas.microsoft.com/office/drawing/2014/main" id="{DCF02189-0C47-4D97-9289-C2A3F53AE1AF}"/>
-              </a:ext>
-            </a:extLst>
-          </p:cNvPr>
-          <p:cNvSpPr txBox="1">
-            <a:spLocks/>
-          </p:cNvSpPr>
-          <p:nvPr/>
-        </p:nvSpPr>
-        <p:spPr>
-          <a:xfrm>
-            <a:off x="4572000" y="1328372"/>
-            <a:ext cx="4008840" cy="3519522"/>
-          </a:xfrm>
-          <a:prstGeom prst="rect">
-            <a:avLst/>
-          </a:prstGeom>
-          <a:noFill/>
-          <a:ln>
-            <a:noFill/>
-          </a:ln>
-        </p:spPr>
-        <p:txBody>
-          <a:bodyPr spcFirstLastPara="1" wrap="square" lIns="93550" tIns="93550" rIns="93550" bIns="93550" anchor="t" anchorCtr="0">
-            <a:noAutofit/>
-          </a:bodyPr>
-          <a:lstStyle>
-            <a:defPPr marR="0" lvl="0" algn="l" rtl="0">
-              <a:lnSpc>
-                <a:spcPct val="100000"/>
-              </a:lnSpc>
-              <a:spcBef>
-                <a:spcPts val="0"/>
-              </a:spcBef>
-              <a:spcAft>
-                <a:spcPts val="0"/>
-              </a:spcAft>
-            </a:defPPr>
-            <a:lvl1pPr marL="457200" marR="0" lvl="0" indent="-342900" algn="l" rtl="0">
-              <a:lnSpc>
-                <a:spcPct val="115000"/>
-              </a:lnSpc>
-              <a:spcBef>
-                <a:spcPts val="0"/>
-              </a:spcBef>
-              <a:spcAft>
-                <a:spcPts val="0"/>
-              </a:spcAft>
-              <a:buClr>
-                <a:srgbClr val="000000"/>
-              </a:buClr>
-              <a:buSzPts val="1800"/>
-              <a:buFont typeface="Source Sans Pro"/>
-              <a:buChar char="●"/>
-              <a:defRPr sz="1800" b="0" i="0" u="none" strike="noStrike" cap="none">
-                <a:solidFill>
-                  <a:srgbClr val="000000"/>
-                </a:solidFill>
-                <a:latin typeface="Source Sans Pro"/>
-                <a:ea typeface="Source Sans Pro"/>
-                <a:cs typeface="Source Sans Pro"/>
-                <a:sym typeface="Source Sans Pro"/>
-              </a:defRPr>
-            </a:lvl1pPr>
-            <a:lvl2pPr marL="914400" marR="0" lvl="1" indent="-317500" algn="l" rtl="0">
-              <a:lnSpc>
-                <a:spcPct val="115000"/>
-              </a:lnSpc>
-              <a:spcBef>
-                <a:spcPts val="1600"/>
-              </a:spcBef>
-              <a:spcAft>
-                <a:spcPts val="0"/>
-              </a:spcAft>
-              <a:buClr>
-                <a:srgbClr val="000000"/>
-              </a:buClr>
-              <a:buSzPts val="1400"/>
-              <a:buFont typeface="Source Sans Pro"/>
-              <a:buChar char="○"/>
-              <a:defRPr sz="1400" b="0" i="0" u="none" strike="noStrike" cap="none">
-                <a:solidFill>
-                  <a:srgbClr val="000000"/>
-                </a:solidFill>
-                <a:latin typeface="Source Sans Pro"/>
-                <a:ea typeface="Source Sans Pro"/>
-                <a:cs typeface="Source Sans Pro"/>
-                <a:sym typeface="Source Sans Pro"/>
-              </a:defRPr>
-            </a:lvl2pPr>
-            <a:lvl3pPr marL="1371600" marR="0" lvl="2" indent="-317500" algn="l" rtl="0">
-              <a:lnSpc>
-                <a:spcPct val="115000"/>
-              </a:lnSpc>
-              <a:spcBef>
-                <a:spcPts val="1600"/>
-              </a:spcBef>
-              <a:spcAft>
-                <a:spcPts val="0"/>
-              </a:spcAft>
-              <a:buClr>
-                <a:srgbClr val="000000"/>
-              </a:buClr>
-              <a:buSzPts val="1400"/>
-              <a:buFont typeface="Source Sans Pro"/>
-              <a:buChar char="■"/>
-              <a:defRPr sz="1400" b="0" i="0" u="none" strike="noStrike" cap="none">
-                <a:solidFill>
-                  <a:srgbClr val="000000"/>
-                </a:solidFill>
-                <a:latin typeface="Source Sans Pro"/>
-                <a:ea typeface="Source Sans Pro"/>
-                <a:cs typeface="Source Sans Pro"/>
-                <a:sym typeface="Source Sans Pro"/>
-              </a:defRPr>
-            </a:lvl3pPr>
-            <a:lvl4pPr marL="1828800" marR="0" lvl="3" indent="-317500" algn="l" rtl="0">
-              <a:lnSpc>
-                <a:spcPct val="115000"/>
-              </a:lnSpc>
-              <a:spcBef>
-                <a:spcPts val="1600"/>
-              </a:spcBef>
-              <a:spcAft>
-                <a:spcPts val="0"/>
-              </a:spcAft>
-              <a:buClr>
-                <a:srgbClr val="000000"/>
-              </a:buClr>
-              <a:buSzPts val="1400"/>
-              <a:buFont typeface="Source Sans Pro"/>
-              <a:buChar char="●"/>
-              <a:defRPr sz="1400" b="0" i="0" u="none" strike="noStrike" cap="none">
-                <a:solidFill>
-                  <a:srgbClr val="000000"/>
-                </a:solidFill>
-                <a:latin typeface="Source Sans Pro"/>
-                <a:ea typeface="Source Sans Pro"/>
-                <a:cs typeface="Source Sans Pro"/>
-                <a:sym typeface="Source Sans Pro"/>
-              </a:defRPr>
-            </a:lvl4pPr>
-            <a:lvl5pPr marL="2286000" marR="0" lvl="4" indent="-317500" algn="l" rtl="0">
-              <a:lnSpc>
-                <a:spcPct val="115000"/>
-              </a:lnSpc>
-              <a:spcBef>
-                <a:spcPts val="1600"/>
-              </a:spcBef>
-              <a:spcAft>
-                <a:spcPts val="0"/>
-              </a:spcAft>
-              <a:buClr>
-                <a:srgbClr val="000000"/>
-              </a:buClr>
-              <a:buSzPts val="1400"/>
-              <a:buFont typeface="Source Sans Pro"/>
-              <a:buChar char="○"/>
-              <a:defRPr sz="1400" b="0" i="0" u="none" strike="noStrike" cap="none">
-                <a:solidFill>
-                  <a:srgbClr val="000000"/>
-                </a:solidFill>
-                <a:latin typeface="Source Sans Pro"/>
-                <a:ea typeface="Source Sans Pro"/>
-                <a:cs typeface="Source Sans Pro"/>
-                <a:sym typeface="Source Sans Pro"/>
-              </a:defRPr>
-            </a:lvl5pPr>
-            <a:lvl6pPr marL="2743200" marR="0" lvl="5" indent="-317500" algn="l" rtl="0">
-              <a:lnSpc>
-                <a:spcPct val="115000"/>
-              </a:lnSpc>
-              <a:spcBef>
-                <a:spcPts val="1600"/>
-              </a:spcBef>
-              <a:spcAft>
-                <a:spcPts val="0"/>
-              </a:spcAft>
-              <a:buClr>
-                <a:srgbClr val="000000"/>
-              </a:buClr>
-              <a:buSzPts val="1400"/>
-              <a:buFont typeface="Source Sans Pro"/>
-              <a:buChar char="■"/>
-              <a:defRPr sz="1400" b="0" i="0" u="none" strike="noStrike" cap="none">
-                <a:solidFill>
-                  <a:srgbClr val="000000"/>
-                </a:solidFill>
-                <a:latin typeface="Source Sans Pro"/>
-                <a:ea typeface="Source Sans Pro"/>
-                <a:cs typeface="Source Sans Pro"/>
-                <a:sym typeface="Source Sans Pro"/>
-              </a:defRPr>
-            </a:lvl6pPr>
-            <a:lvl7pPr marL="3200400" marR="0" lvl="6" indent="-317500" algn="l" rtl="0">
-              <a:lnSpc>
-                <a:spcPct val="115000"/>
-              </a:lnSpc>
-              <a:spcBef>
-                <a:spcPts val="1600"/>
-              </a:spcBef>
-              <a:spcAft>
-                <a:spcPts val="0"/>
-              </a:spcAft>
-              <a:buClr>
-                <a:srgbClr val="000000"/>
-              </a:buClr>
-              <a:buSzPts val="1400"/>
-              <a:buFont typeface="Source Sans Pro"/>
-              <a:buChar char="●"/>
-              <a:defRPr sz="1400" b="0" i="0" u="none" strike="noStrike" cap="none">
-                <a:solidFill>
-                  <a:srgbClr val="000000"/>
-                </a:solidFill>
-                <a:latin typeface="Source Sans Pro"/>
-                <a:ea typeface="Source Sans Pro"/>
-                <a:cs typeface="Source Sans Pro"/>
-                <a:sym typeface="Source Sans Pro"/>
-              </a:defRPr>
-            </a:lvl7pPr>
-            <a:lvl8pPr marL="3657600" marR="0" lvl="7" indent="-317500" algn="l" rtl="0">
-              <a:lnSpc>
-                <a:spcPct val="115000"/>
-              </a:lnSpc>
-              <a:spcBef>
-                <a:spcPts val="1600"/>
-              </a:spcBef>
-              <a:spcAft>
-                <a:spcPts val="0"/>
-              </a:spcAft>
-              <a:buClr>
-                <a:srgbClr val="000000"/>
-              </a:buClr>
-              <a:buSzPts val="1400"/>
-              <a:buFont typeface="Source Sans Pro"/>
-              <a:buChar char="○"/>
-              <a:defRPr sz="1400" b="0" i="0" u="none" strike="noStrike" cap="none">
-                <a:solidFill>
-                  <a:srgbClr val="000000"/>
-                </a:solidFill>
-                <a:latin typeface="Source Sans Pro"/>
-                <a:ea typeface="Source Sans Pro"/>
-                <a:cs typeface="Source Sans Pro"/>
-                <a:sym typeface="Source Sans Pro"/>
-              </a:defRPr>
-            </a:lvl8pPr>
-            <a:lvl9pPr marL="4114800" marR="0" lvl="8" indent="-317500" algn="l" rtl="0">
-              <a:lnSpc>
-                <a:spcPct val="115000"/>
-              </a:lnSpc>
-              <a:spcBef>
-                <a:spcPts val="1600"/>
-              </a:spcBef>
-              <a:spcAft>
-                <a:spcPts val="1600"/>
-              </a:spcAft>
-              <a:buClr>
-                <a:srgbClr val="000000"/>
-              </a:buClr>
-              <a:buSzPts val="1400"/>
-              <a:buFont typeface="Source Sans Pro"/>
-              <a:buChar char="■"/>
-              <a:defRPr sz="1400" b="0" i="0" u="none" strike="noStrike" cap="none">
-                <a:solidFill>
-                  <a:srgbClr val="000000"/>
-                </a:solidFill>
-                <a:latin typeface="Source Sans Pro"/>
-                <a:ea typeface="Source Sans Pro"/>
-                <a:cs typeface="Source Sans Pro"/>
-                <a:sym typeface="Source Sans Pro"/>
-              </a:defRPr>
-            </a:lvl9pPr>
-          </a:lstStyle>
-          <a:p>
-            <a:pPr marL="114300" indent="0" algn="ctr" fontAlgn="base">
-              <a:lnSpc>
-                <a:spcPct val="100000"/>
-              </a:lnSpc>
-              <a:spcBef>
-                <a:spcPts val="600"/>
-              </a:spcBef>
-              <a:buNone/>
-            </a:pPr>
-            <a:r>
-              <a:rPr lang="fr-FR" sz="4800" b="1" dirty="0">
-                <a:latin typeface="Source Sans Pro" panose="020B0503030403020204" pitchFamily="34" charset="0"/>
-              </a:rPr>
-              <a:t>INSERT IN-GAME VISUAL</a:t>
+              <a:t>Le jet aléatoire est indépendant entre l’attaque et la défense. Un monstre peut avoir un élément d’attaque ainsi qu’un élément de défense.</a:t>
             </a:r>
           </a:p>
         </p:txBody>
@@ -15879,6 +15564,620 @@
           </a:prstGeom>
         </p:spPr>
       </p:pic>
+      <p:grpSp>
+        <p:nvGrpSpPr>
+          <p:cNvPr id="51" name="Groupe 50">
+            <a:extLst>
+              <a:ext uri="{FF2B5EF4-FFF2-40B4-BE49-F238E27FC236}">
+                <a16:creationId xmlns:a16="http://schemas.microsoft.com/office/drawing/2014/main" id="{A7C5696F-D997-4E76-9AB0-D7CE34F7FA6B}"/>
+              </a:ext>
+            </a:extLst>
+          </p:cNvPr>
+          <p:cNvGrpSpPr/>
+          <p:nvPr/>
+        </p:nvGrpSpPr>
+        <p:grpSpPr>
+          <a:xfrm>
+            <a:off x="311700" y="1150656"/>
+            <a:ext cx="3802469" cy="3697238"/>
+            <a:chOff x="4802176" y="882350"/>
+            <a:chExt cx="3802469" cy="3697238"/>
+          </a:xfrm>
+        </p:grpSpPr>
+        <p:pic>
+          <p:nvPicPr>
+            <p:cNvPr id="5" name="Image 4" descr="Une image contenant voiture, assis, ordinateur, table&#10;&#10;Description générée automatiquement">
+              <a:extLst>
+                <a:ext uri="{FF2B5EF4-FFF2-40B4-BE49-F238E27FC236}">
+                  <a16:creationId xmlns:a16="http://schemas.microsoft.com/office/drawing/2014/main" id="{98613997-FA4D-4897-9564-D93765E00247}"/>
+                </a:ext>
+              </a:extLst>
+            </p:cNvPr>
+            <p:cNvPicPr>
+              <a:picLocks noChangeAspect="1"/>
+            </p:cNvPicPr>
+            <p:nvPr/>
+          </p:nvPicPr>
+          <p:blipFill>
+            <a:blip r:embed="rId4"/>
+            <a:stretch>
+              <a:fillRect/>
+            </a:stretch>
+          </p:blipFill>
+          <p:spPr>
+            <a:xfrm>
+              <a:off x="5839219" y="1328372"/>
+              <a:ext cx="2543776" cy="3251216"/>
+            </a:xfrm>
+            <a:prstGeom prst="rect">
+              <a:avLst/>
+            </a:prstGeom>
+            <a:effectLst>
+              <a:outerShdw blurRad="63500" dist="63500" dir="2700000" algn="tl" rotWithShape="0">
+                <a:prstClr val="black">
+                  <a:alpha val="40000"/>
+                </a:prstClr>
+              </a:outerShdw>
+            </a:effectLst>
+          </p:spPr>
+        </p:pic>
+        <p:sp>
+          <p:nvSpPr>
+            <p:cNvPr id="9" name="ZoneTexte 8">
+              <a:extLst>
+                <a:ext uri="{FF2B5EF4-FFF2-40B4-BE49-F238E27FC236}">
+                  <a16:creationId xmlns:a16="http://schemas.microsoft.com/office/drawing/2014/main" id="{23CD664B-D942-4D63-B884-AAE1B2A3CC99}"/>
+                </a:ext>
+              </a:extLst>
+            </p:cNvPr>
+            <p:cNvSpPr txBox="1"/>
+            <p:nvPr/>
+          </p:nvSpPr>
+          <p:spPr>
+            <a:xfrm>
+              <a:off x="6819900" y="882350"/>
+              <a:ext cx="563880" cy="276999"/>
+            </a:xfrm>
+            <a:prstGeom prst="rect">
+              <a:avLst/>
+            </a:prstGeom>
+            <a:noFill/>
+          </p:spPr>
+          <p:txBody>
+            <a:bodyPr wrap="square" rtlCol="0">
+              <a:spAutoFit/>
+            </a:bodyPr>
+            <a:lstStyle/>
+            <a:p>
+              <a:pPr algn="ctr"/>
+              <a:r>
+                <a:rPr lang="fr-FR" sz="1200" cap="small" dirty="0">
+                  <a:latin typeface="Source Sans Pro" panose="020B0503030403020204" pitchFamily="34" charset="0"/>
+                  <a:ea typeface="Source Sans Pro" panose="020B0503030403020204" pitchFamily="34" charset="0"/>
+                </a:rPr>
+                <a:t>Nom</a:t>
+              </a:r>
+            </a:p>
+          </p:txBody>
+        </p:sp>
+        <p:sp>
+          <p:nvSpPr>
+            <p:cNvPr id="13" name="ZoneTexte 12">
+              <a:extLst>
+                <a:ext uri="{FF2B5EF4-FFF2-40B4-BE49-F238E27FC236}">
+                  <a16:creationId xmlns:a16="http://schemas.microsoft.com/office/drawing/2014/main" id="{875BE0C0-BBE2-41B9-9419-3EF45668924A}"/>
+                </a:ext>
+              </a:extLst>
+            </p:cNvPr>
+            <p:cNvSpPr txBox="1"/>
+            <p:nvPr/>
+          </p:nvSpPr>
+          <p:spPr>
+            <a:xfrm>
+              <a:off x="5681498" y="882350"/>
+              <a:ext cx="879322" cy="276999"/>
+            </a:xfrm>
+            <a:prstGeom prst="rect">
+              <a:avLst/>
+            </a:prstGeom>
+            <a:noFill/>
+          </p:spPr>
+          <p:txBody>
+            <a:bodyPr wrap="square" rtlCol="0">
+              <a:spAutoFit/>
+            </a:bodyPr>
+            <a:lstStyle/>
+            <a:p>
+              <a:pPr algn="ctr"/>
+              <a:r>
+                <a:rPr lang="fr-FR" sz="1200" cap="small" dirty="0">
+                  <a:latin typeface="Source Sans Pro" panose="020B0503030403020204" pitchFamily="34" charset="0"/>
+                  <a:ea typeface="Source Sans Pro" panose="020B0503030403020204" pitchFamily="34" charset="0"/>
+                </a:rPr>
+                <a:t>Pièces d’or</a:t>
+              </a:r>
+            </a:p>
+          </p:txBody>
+        </p:sp>
+        <p:sp>
+          <p:nvSpPr>
+            <p:cNvPr id="15" name="ZoneTexte 14">
+              <a:extLst>
+                <a:ext uri="{FF2B5EF4-FFF2-40B4-BE49-F238E27FC236}">
+                  <a16:creationId xmlns:a16="http://schemas.microsoft.com/office/drawing/2014/main" id="{09AC3FA9-F6DA-4D93-A8D6-281A258FCA9A}"/>
+                </a:ext>
+              </a:extLst>
+            </p:cNvPr>
+            <p:cNvSpPr txBox="1"/>
+            <p:nvPr/>
+          </p:nvSpPr>
+          <p:spPr>
+            <a:xfrm>
+              <a:off x="7725323" y="883459"/>
+              <a:ext cx="879322" cy="276999"/>
+            </a:xfrm>
+            <a:prstGeom prst="rect">
+              <a:avLst/>
+            </a:prstGeom>
+            <a:noFill/>
+          </p:spPr>
+          <p:txBody>
+            <a:bodyPr wrap="square" rtlCol="0">
+              <a:spAutoFit/>
+            </a:bodyPr>
+            <a:lstStyle/>
+            <a:p>
+              <a:pPr algn="ctr"/>
+              <a:r>
+                <a:rPr lang="fr-FR" sz="1200" cap="small" dirty="0">
+                  <a:latin typeface="Source Sans Pro" panose="020B0503030403020204" pitchFamily="34" charset="0"/>
+                  <a:ea typeface="Source Sans Pro" panose="020B0503030403020204" pitchFamily="34" charset="0"/>
+                </a:rPr>
+                <a:t>Points</a:t>
+              </a:r>
+            </a:p>
+          </p:txBody>
+        </p:sp>
+        <p:sp>
+          <p:nvSpPr>
+            <p:cNvPr id="16" name="ZoneTexte 15">
+              <a:extLst>
+                <a:ext uri="{FF2B5EF4-FFF2-40B4-BE49-F238E27FC236}">
+                  <a16:creationId xmlns:a16="http://schemas.microsoft.com/office/drawing/2014/main" id="{C83AECD9-0722-400B-883B-C9C81BC08275}"/>
+                </a:ext>
+              </a:extLst>
+            </p:cNvPr>
+            <p:cNvSpPr txBox="1"/>
+            <p:nvPr/>
+          </p:nvSpPr>
+          <p:spPr>
+            <a:xfrm>
+              <a:off x="4802176" y="1882769"/>
+              <a:ext cx="879322" cy="276999"/>
+            </a:xfrm>
+            <a:prstGeom prst="rect">
+              <a:avLst/>
+            </a:prstGeom>
+            <a:noFill/>
+          </p:spPr>
+          <p:txBody>
+            <a:bodyPr wrap="square" rtlCol="0">
+              <a:spAutoFit/>
+            </a:bodyPr>
+            <a:lstStyle/>
+            <a:p>
+              <a:pPr algn="ctr"/>
+              <a:r>
+                <a:rPr lang="fr-FR" sz="1200" cap="small" dirty="0">
+                  <a:latin typeface="Source Sans Pro" panose="020B0503030403020204" pitchFamily="34" charset="0"/>
+                  <a:ea typeface="Source Sans Pro" panose="020B0503030403020204" pitchFamily="34" charset="0"/>
+                </a:rPr>
+                <a:t>Attaque</a:t>
+              </a:r>
+            </a:p>
+          </p:txBody>
+        </p:sp>
+        <p:sp>
+          <p:nvSpPr>
+            <p:cNvPr id="17" name="ZoneTexte 16">
+              <a:extLst>
+                <a:ext uri="{FF2B5EF4-FFF2-40B4-BE49-F238E27FC236}">
+                  <a16:creationId xmlns:a16="http://schemas.microsoft.com/office/drawing/2014/main" id="{15878E4B-188D-4052-9F4B-A88DDF958128}"/>
+                </a:ext>
+              </a:extLst>
+            </p:cNvPr>
+            <p:cNvSpPr txBox="1"/>
+            <p:nvPr/>
+          </p:nvSpPr>
+          <p:spPr>
+            <a:xfrm>
+              <a:off x="4802176" y="2204672"/>
+              <a:ext cx="879322" cy="276999"/>
+            </a:xfrm>
+            <a:prstGeom prst="rect">
+              <a:avLst/>
+            </a:prstGeom>
+            <a:noFill/>
+          </p:spPr>
+          <p:txBody>
+            <a:bodyPr wrap="square" rtlCol="0">
+              <a:spAutoFit/>
+            </a:bodyPr>
+            <a:lstStyle/>
+            <a:p>
+              <a:pPr algn="ctr"/>
+              <a:r>
+                <a:rPr lang="fr-FR" sz="1200" cap="small" dirty="0">
+                  <a:latin typeface="Source Sans Pro" panose="020B0503030403020204" pitchFamily="34" charset="0"/>
+                  <a:ea typeface="Source Sans Pro" panose="020B0503030403020204" pitchFamily="34" charset="0"/>
+                </a:rPr>
+                <a:t>Défense</a:t>
+              </a:r>
+            </a:p>
+          </p:txBody>
+        </p:sp>
+        <p:sp>
+          <p:nvSpPr>
+            <p:cNvPr id="18" name="ZoneTexte 17">
+              <a:extLst>
+                <a:ext uri="{FF2B5EF4-FFF2-40B4-BE49-F238E27FC236}">
+                  <a16:creationId xmlns:a16="http://schemas.microsoft.com/office/drawing/2014/main" id="{67043F68-5458-49F7-A542-5F7B23816628}"/>
+                </a:ext>
+              </a:extLst>
+            </p:cNvPr>
+            <p:cNvSpPr txBox="1"/>
+            <p:nvPr/>
+          </p:nvSpPr>
+          <p:spPr>
+            <a:xfrm>
+              <a:off x="4802176" y="2807608"/>
+              <a:ext cx="879322" cy="461665"/>
+            </a:xfrm>
+            <a:prstGeom prst="rect">
+              <a:avLst/>
+            </a:prstGeom>
+            <a:noFill/>
+          </p:spPr>
+          <p:txBody>
+            <a:bodyPr wrap="square" rtlCol="0">
+              <a:spAutoFit/>
+            </a:bodyPr>
+            <a:lstStyle/>
+            <a:p>
+              <a:pPr algn="ctr"/>
+              <a:r>
+                <a:rPr lang="fr-FR" sz="1200" cap="small" dirty="0">
+                  <a:latin typeface="Source Sans Pro" panose="020B0503030403020204" pitchFamily="34" charset="0"/>
+                  <a:ea typeface="Source Sans Pro" panose="020B0503030403020204" pitchFamily="34" charset="0"/>
+                </a:rPr>
+                <a:t>Élément d’attaque</a:t>
+              </a:r>
+            </a:p>
+          </p:txBody>
+        </p:sp>
+        <p:sp>
+          <p:nvSpPr>
+            <p:cNvPr id="19" name="ZoneTexte 18">
+              <a:extLst>
+                <a:ext uri="{FF2B5EF4-FFF2-40B4-BE49-F238E27FC236}">
+                  <a16:creationId xmlns:a16="http://schemas.microsoft.com/office/drawing/2014/main" id="{7BAA546F-8596-45F1-9897-CABEDB556735}"/>
+                </a:ext>
+              </a:extLst>
+            </p:cNvPr>
+            <p:cNvSpPr txBox="1"/>
+            <p:nvPr/>
+          </p:nvSpPr>
+          <p:spPr>
+            <a:xfrm>
+              <a:off x="4802176" y="3437187"/>
+              <a:ext cx="879322" cy="461665"/>
+            </a:xfrm>
+            <a:prstGeom prst="rect">
+              <a:avLst/>
+            </a:prstGeom>
+            <a:noFill/>
+          </p:spPr>
+          <p:txBody>
+            <a:bodyPr wrap="square" rtlCol="0">
+              <a:spAutoFit/>
+            </a:bodyPr>
+            <a:lstStyle/>
+            <a:p>
+              <a:pPr algn="ctr"/>
+              <a:r>
+                <a:rPr lang="fr-FR" sz="1200" cap="small" dirty="0">
+                  <a:latin typeface="Source Sans Pro" panose="020B0503030403020204" pitchFamily="34" charset="0"/>
+                  <a:ea typeface="Source Sans Pro" panose="020B0503030403020204" pitchFamily="34" charset="0"/>
+                </a:rPr>
+                <a:t>Élément de défense</a:t>
+              </a:r>
+            </a:p>
+          </p:txBody>
+        </p:sp>
+        <p:cxnSp>
+          <p:nvCxnSpPr>
+            <p:cNvPr id="14" name="Connecteur : en angle 13">
+              <a:extLst>
+                <a:ext uri="{FF2B5EF4-FFF2-40B4-BE49-F238E27FC236}">
+                  <a16:creationId xmlns:a16="http://schemas.microsoft.com/office/drawing/2014/main" id="{E05AE957-B4D4-4157-94F3-22731FB3E30C}"/>
+                </a:ext>
+              </a:extLst>
+            </p:cNvPr>
+            <p:cNvCxnSpPr>
+              <a:cxnSpLocks/>
+              <a:endCxn id="13" idx="2"/>
+            </p:cNvCxnSpPr>
+            <p:nvPr/>
+          </p:nvCxnSpPr>
+          <p:spPr>
+            <a:xfrm rot="5400000" flipH="1" flipV="1">
+              <a:off x="5961694" y="1318815"/>
+              <a:ext cx="318931" cy="12700"/>
+            </a:xfrm>
+            <a:prstGeom prst="bentConnector3">
+              <a:avLst/>
+            </a:prstGeom>
+            <a:ln w="19050"/>
+          </p:spPr>
+          <p:style>
+            <a:lnRef idx="1">
+              <a:schemeClr val="accent5"/>
+            </a:lnRef>
+            <a:fillRef idx="0">
+              <a:schemeClr val="accent5"/>
+            </a:fillRef>
+            <a:effectRef idx="0">
+              <a:schemeClr val="accent5"/>
+            </a:effectRef>
+            <a:fontRef idx="minor">
+              <a:schemeClr val="tx1"/>
+            </a:fontRef>
+          </p:style>
+        </p:cxnSp>
+        <p:cxnSp>
+          <p:nvCxnSpPr>
+            <p:cNvPr id="21" name="Connecteur : en angle 20">
+              <a:extLst>
+                <a:ext uri="{FF2B5EF4-FFF2-40B4-BE49-F238E27FC236}">
+                  <a16:creationId xmlns:a16="http://schemas.microsoft.com/office/drawing/2014/main" id="{06CDDA18-FE42-487B-907E-32D398E28780}"/>
+                </a:ext>
+              </a:extLst>
+            </p:cNvPr>
+            <p:cNvCxnSpPr>
+              <a:cxnSpLocks/>
+              <a:endCxn id="9" idx="2"/>
+            </p:cNvCxnSpPr>
+            <p:nvPr/>
+          </p:nvCxnSpPr>
+          <p:spPr>
+            <a:xfrm rot="5400000" flipH="1" flipV="1">
+              <a:off x="6953045" y="1306256"/>
+              <a:ext cx="295701" cy="1889"/>
+            </a:xfrm>
+            <a:prstGeom prst="bentConnector3">
+              <a:avLst/>
+            </a:prstGeom>
+            <a:ln w="19050"/>
+          </p:spPr>
+          <p:style>
+            <a:lnRef idx="1">
+              <a:schemeClr val="accent5"/>
+            </a:lnRef>
+            <a:fillRef idx="0">
+              <a:schemeClr val="accent5"/>
+            </a:fillRef>
+            <a:effectRef idx="0">
+              <a:schemeClr val="accent5"/>
+            </a:effectRef>
+            <a:fontRef idx="minor">
+              <a:schemeClr val="tx1"/>
+            </a:fontRef>
+          </p:style>
+        </p:cxnSp>
+        <p:cxnSp>
+          <p:nvCxnSpPr>
+            <p:cNvPr id="23" name="Connecteur : en angle 22">
+              <a:extLst>
+                <a:ext uri="{FF2B5EF4-FFF2-40B4-BE49-F238E27FC236}">
+                  <a16:creationId xmlns:a16="http://schemas.microsoft.com/office/drawing/2014/main" id="{8AA47274-3E13-4A20-B54B-5FBEFFDD8415}"/>
+                </a:ext>
+              </a:extLst>
+            </p:cNvPr>
+            <p:cNvCxnSpPr>
+              <a:cxnSpLocks/>
+            </p:cNvCxnSpPr>
+            <p:nvPr/>
+          </p:nvCxnSpPr>
+          <p:spPr>
+            <a:xfrm rot="10800000">
+              <a:off x="5618375" y="2035651"/>
+              <a:ext cx="914266" cy="1"/>
+            </a:xfrm>
+            <a:prstGeom prst="bentConnector3">
+              <a:avLst/>
+            </a:prstGeom>
+            <a:ln w="19050"/>
+          </p:spPr>
+          <p:style>
+            <a:lnRef idx="1">
+              <a:schemeClr val="accent5"/>
+            </a:lnRef>
+            <a:fillRef idx="0">
+              <a:schemeClr val="accent5"/>
+            </a:fillRef>
+            <a:effectRef idx="0">
+              <a:schemeClr val="accent5"/>
+            </a:effectRef>
+            <a:fontRef idx="minor">
+              <a:schemeClr val="tx1"/>
+            </a:fontRef>
+          </p:style>
+        </p:cxnSp>
+        <p:cxnSp>
+          <p:nvCxnSpPr>
+            <p:cNvPr id="26" name="Connecteur : en angle 25">
+              <a:extLst>
+                <a:ext uri="{FF2B5EF4-FFF2-40B4-BE49-F238E27FC236}">
+                  <a16:creationId xmlns:a16="http://schemas.microsoft.com/office/drawing/2014/main" id="{D1A72048-F9C2-45E8-AF50-9A526A310C68}"/>
+                </a:ext>
+              </a:extLst>
+            </p:cNvPr>
+            <p:cNvCxnSpPr>
+              <a:cxnSpLocks/>
+            </p:cNvCxnSpPr>
+            <p:nvPr/>
+          </p:nvCxnSpPr>
+          <p:spPr>
+            <a:xfrm rot="10800000" flipV="1">
+              <a:off x="5618376" y="1970220"/>
+              <a:ext cx="1974955" cy="382454"/>
+            </a:xfrm>
+            <a:prstGeom prst="bentConnector3">
+              <a:avLst>
+                <a:gd name="adj1" fmla="val 13925"/>
+              </a:avLst>
+            </a:prstGeom>
+            <a:ln w="19050"/>
+          </p:spPr>
+          <p:style>
+            <a:lnRef idx="1">
+              <a:schemeClr val="accent5"/>
+            </a:lnRef>
+            <a:fillRef idx="0">
+              <a:schemeClr val="accent5"/>
+            </a:fillRef>
+            <a:effectRef idx="0">
+              <a:schemeClr val="accent5"/>
+            </a:effectRef>
+            <a:fontRef idx="minor">
+              <a:schemeClr val="tx1"/>
+            </a:fontRef>
+          </p:style>
+        </p:cxnSp>
+        <p:cxnSp>
+          <p:nvCxnSpPr>
+            <p:cNvPr id="28" name="Connecteur : en angle 27">
+              <a:extLst>
+                <a:ext uri="{FF2B5EF4-FFF2-40B4-BE49-F238E27FC236}">
+                  <a16:creationId xmlns:a16="http://schemas.microsoft.com/office/drawing/2014/main" id="{707E1F50-55E5-4EB7-A7B5-EF1DC4E0FB32}"/>
+                </a:ext>
+              </a:extLst>
+            </p:cNvPr>
+            <p:cNvCxnSpPr>
+              <a:cxnSpLocks/>
+              <a:endCxn id="18" idx="3"/>
+            </p:cNvCxnSpPr>
+            <p:nvPr/>
+          </p:nvCxnSpPr>
+          <p:spPr>
+            <a:xfrm rot="10800000" flipV="1">
+              <a:off x="5681498" y="2481671"/>
+              <a:ext cx="1058392" cy="556770"/>
+            </a:xfrm>
+            <a:prstGeom prst="bentConnector3">
+              <a:avLst>
+                <a:gd name="adj1" fmla="val -37"/>
+              </a:avLst>
+            </a:prstGeom>
+            <a:ln w="19050"/>
+          </p:spPr>
+          <p:style>
+            <a:lnRef idx="1">
+              <a:schemeClr val="accent5"/>
+            </a:lnRef>
+            <a:fillRef idx="0">
+              <a:schemeClr val="accent5"/>
+            </a:fillRef>
+            <a:effectRef idx="0">
+              <a:schemeClr val="accent5"/>
+            </a:effectRef>
+            <a:fontRef idx="minor">
+              <a:schemeClr val="tx1"/>
+            </a:fontRef>
+          </p:style>
+        </p:cxnSp>
+        <p:cxnSp>
+          <p:nvCxnSpPr>
+            <p:cNvPr id="30" name="Connecteur : en angle 29">
+              <a:extLst>
+                <a:ext uri="{FF2B5EF4-FFF2-40B4-BE49-F238E27FC236}">
+                  <a16:creationId xmlns:a16="http://schemas.microsoft.com/office/drawing/2014/main" id="{76D6C788-C6CF-4511-A926-8DAB5D4265FA}"/>
+                </a:ext>
+              </a:extLst>
+            </p:cNvPr>
+            <p:cNvCxnSpPr>
+              <a:cxnSpLocks/>
+              <a:endCxn id="19" idx="3"/>
+            </p:cNvCxnSpPr>
+            <p:nvPr/>
+          </p:nvCxnSpPr>
+          <p:spPr>
+            <a:xfrm rot="10800000" flipV="1">
+              <a:off x="5681498" y="2397506"/>
+              <a:ext cx="1976602" cy="1270513"/>
+            </a:xfrm>
+            <a:prstGeom prst="bentConnector3">
+              <a:avLst>
+                <a:gd name="adj1" fmla="val 270"/>
+              </a:avLst>
+            </a:prstGeom>
+            <a:ln w="19050"/>
+          </p:spPr>
+          <p:style>
+            <a:lnRef idx="1">
+              <a:schemeClr val="accent5"/>
+            </a:lnRef>
+            <a:fillRef idx="0">
+              <a:schemeClr val="accent5"/>
+            </a:fillRef>
+            <a:effectRef idx="0">
+              <a:schemeClr val="accent5"/>
+            </a:effectRef>
+            <a:fontRef idx="minor">
+              <a:schemeClr val="tx1"/>
+            </a:fontRef>
+          </p:style>
+        </p:cxnSp>
+        <p:cxnSp>
+          <p:nvCxnSpPr>
+            <p:cNvPr id="32" name="Connecteur : en angle 31">
+              <a:extLst>
+                <a:ext uri="{FF2B5EF4-FFF2-40B4-BE49-F238E27FC236}">
+                  <a16:creationId xmlns:a16="http://schemas.microsoft.com/office/drawing/2014/main" id="{7335A6F5-9769-48EE-8138-19B9BF71C1B0}"/>
+                </a:ext>
+              </a:extLst>
+            </p:cNvPr>
+            <p:cNvCxnSpPr>
+              <a:cxnSpLocks/>
+            </p:cNvCxnSpPr>
+            <p:nvPr/>
+          </p:nvCxnSpPr>
+          <p:spPr>
+            <a:xfrm rot="5400000" flipH="1" flipV="1">
+              <a:off x="8043186" y="1309767"/>
+              <a:ext cx="298772" cy="154"/>
+            </a:xfrm>
+            <a:prstGeom prst="bentConnector3">
+              <a:avLst/>
+            </a:prstGeom>
+            <a:ln w="19050"/>
+          </p:spPr>
+          <p:style>
+            <a:lnRef idx="1">
+              <a:schemeClr val="accent5"/>
+            </a:lnRef>
+            <a:fillRef idx="0">
+              <a:schemeClr val="accent5"/>
+            </a:fillRef>
+            <a:effectRef idx="0">
+              <a:schemeClr val="accent5"/>
+            </a:effectRef>
+            <a:fontRef idx="minor">
+              <a:schemeClr val="tx1"/>
+            </a:fontRef>
+          </p:style>
+        </p:cxnSp>
+      </p:grpSp>
     </p:spTree>
     <p:extLst>
       <p:ext uri="{BB962C8B-B14F-4D97-AF65-F5344CB8AC3E}">
@@ -29186,43 +29485,6 @@
       </p:sp>
       <p:pic>
         <p:nvPicPr>
-          <p:cNvPr id="12" name="Image 11">
-            <a:extLst>
-              <a:ext uri="{FF2B5EF4-FFF2-40B4-BE49-F238E27FC236}">
-                <a16:creationId xmlns:a16="http://schemas.microsoft.com/office/drawing/2014/main" id="{E759846D-C57A-47FB-BB1B-6628067C3799}"/>
-              </a:ext>
-            </a:extLst>
-          </p:cNvPr>
-          <p:cNvPicPr>
-            <a:picLocks noChangeAspect="1"/>
-          </p:cNvPicPr>
-          <p:nvPr/>
-        </p:nvPicPr>
-        <p:blipFill>
-          <a:blip r:embed="rId3"/>
-          <a:stretch>
-            <a:fillRect/>
-          </a:stretch>
-        </p:blipFill>
-        <p:spPr>
-          <a:xfrm>
-            <a:off x="249398" y="932822"/>
-            <a:ext cx="5637052" cy="1805379"/>
-          </a:xfrm>
-          <a:prstGeom prst="rect">
-            <a:avLst/>
-          </a:prstGeom>
-          <a:effectLst>
-            <a:outerShdw blurRad="50800" dist="38100" dir="5400000" algn="t" rotWithShape="0">
-              <a:prstClr val="black">
-                <a:alpha val="40000"/>
-              </a:prstClr>
-            </a:outerShdw>
-          </a:effectLst>
-        </p:spPr>
-      </p:pic>
-      <p:pic>
-        <p:nvPicPr>
           <p:cNvPr id="14" name="Image 13">
             <a:extLst>
               <a:ext uri="{FF2B5EF4-FFF2-40B4-BE49-F238E27FC236}">
@@ -29236,7 +29498,7 @@
           <p:nvPr/>
         </p:nvPicPr>
         <p:blipFill>
-          <a:blip r:embed="rId4"/>
+          <a:blip r:embed="rId3"/>
           <a:stretch>
             <a:fillRect/>
           </a:stretch>
@@ -29256,6 +29518,36 @@
               </a:prstClr>
             </a:outerShdw>
           </a:effectLst>
+        </p:spPr>
+      </p:pic>
+      <p:pic>
+        <p:nvPicPr>
+          <p:cNvPr id="4" name="Image 3">
+            <a:extLst>
+              <a:ext uri="{FF2B5EF4-FFF2-40B4-BE49-F238E27FC236}">
+                <a16:creationId xmlns:a16="http://schemas.microsoft.com/office/drawing/2014/main" id="{99B7BA12-6DD4-430B-BA94-E24417BD2850}"/>
+              </a:ext>
+            </a:extLst>
+          </p:cNvPr>
+          <p:cNvPicPr>
+            <a:picLocks noChangeAspect="1"/>
+          </p:cNvPicPr>
+          <p:nvPr/>
+        </p:nvPicPr>
+        <p:blipFill>
+          <a:blip r:embed="rId4"/>
+          <a:stretch>
+            <a:fillRect/>
+          </a:stretch>
+        </p:blipFill>
+        <p:spPr>
+          <a:xfrm>
+            <a:off x="318844" y="929690"/>
+            <a:ext cx="5631900" cy="1803729"/>
+          </a:xfrm>
+          <a:prstGeom prst="rect">
+            <a:avLst/>
+          </a:prstGeom>
         </p:spPr>
       </p:pic>
     </p:spTree>
